--- a/Presentation_V2.pptx
+++ b/Presentation_V2.pptx
@@ -6,26 +6,27 @@
     <p:sldMasterId id="2147484013" r:id="rId5"/>
   </p:sldMasterIdLst>
   <p:notesMasterIdLst>
-    <p:notesMasterId r:id="rId20"/>
+    <p:notesMasterId r:id="rId21"/>
   </p:notesMasterIdLst>
   <p:handoutMasterIdLst>
-    <p:handoutMasterId r:id="rId21"/>
+    <p:handoutMasterId r:id="rId22"/>
   </p:handoutMasterIdLst>
   <p:sldIdLst>
     <p:sldId id="657" r:id="rId6"/>
     <p:sldId id="679" r:id="rId7"/>
     <p:sldId id="670" r:id="rId8"/>
-    <p:sldId id="680" r:id="rId9"/>
-    <p:sldId id="676" r:id="rId10"/>
-    <p:sldId id="661" r:id="rId11"/>
-    <p:sldId id="664" r:id="rId12"/>
-    <p:sldId id="681" r:id="rId13"/>
-    <p:sldId id="674" r:id="rId14"/>
-    <p:sldId id="673" r:id="rId15"/>
-    <p:sldId id="672" r:id="rId16"/>
-    <p:sldId id="671" r:id="rId17"/>
-    <p:sldId id="663" r:id="rId18"/>
-    <p:sldId id="682" r:id="rId19"/>
+    <p:sldId id="683" r:id="rId9"/>
+    <p:sldId id="674" r:id="rId10"/>
+    <p:sldId id="680" r:id="rId11"/>
+    <p:sldId id="676" r:id="rId12"/>
+    <p:sldId id="661" r:id="rId13"/>
+    <p:sldId id="664" r:id="rId14"/>
+    <p:sldId id="681" r:id="rId15"/>
+    <p:sldId id="673" r:id="rId16"/>
+    <p:sldId id="672" r:id="rId17"/>
+    <p:sldId id="671" r:id="rId18"/>
+    <p:sldId id="663" r:id="rId19"/>
+    <p:sldId id="682" r:id="rId20"/>
   </p:sldIdLst>
   <p:sldSz cx="9144000" cy="6858000" type="screen4x3"/>
   <p:notesSz cx="6985000" cy="9283700"/>
@@ -184,7 +185,7 @@
 <file path=ppt/revisionInfo.xml><?xml version="1.0" encoding="utf-8"?>
 <p1510:revInfo xmlns:a="http://schemas.openxmlformats.org/drawingml/2006/main" xmlns:r="http://schemas.openxmlformats.org/officeDocument/2006/relationships" xmlns:p1510="http://schemas.microsoft.com/office/powerpoint/2015/10/main">
   <p1510:revLst>
-    <p1510:client id="{A3F01DAE-6EAB-4E99-B735-41D0D3BF3371}" v="23" dt="2024-04-20T15:10:47.986"/>
+    <p1510:client id="{A3F01DAE-6EAB-4E99-B735-41D0D3BF3371}" v="26" dt="2024-04-23T11:11:25.393"/>
   </p1510:revLst>
 </p1510:revInfo>
 </file>
@@ -194,7 +195,7 @@
   <pc:docChgLst>
     <pc:chgData name="Looby, Charlotte" userId="bf3d6bd8-f166-46a1-964c-bf7b72577bbd" providerId="ADAL" clId="{A3F01DAE-6EAB-4E99-B735-41D0D3BF3371}"/>
     <pc:docChg chg="undo custSel delSld modSld sldOrd">
-      <pc:chgData name="Looby, Charlotte" userId="bf3d6bd8-f166-46a1-964c-bf7b72577bbd" providerId="ADAL" clId="{A3F01DAE-6EAB-4E99-B735-41D0D3BF3371}" dt="2024-04-20T16:19:24.728" v="4382" actId="2696"/>
+      <pc:chgData name="Looby, Charlotte" userId="bf3d6bd8-f166-46a1-964c-bf7b72577bbd" providerId="ADAL" clId="{A3F01DAE-6EAB-4E99-B735-41D0D3BF3371}" dt="2024-04-23T11:11:25.386" v="4670" actId="20577"/>
       <pc:docMkLst>
         <pc:docMk/>
       </pc:docMkLst>
@@ -241,13 +242,13 @@
         </pc:sldMkLst>
       </pc:sldChg>
       <pc:sldChg chg="modSp mod">
-        <pc:chgData name="Looby, Charlotte" userId="bf3d6bd8-f166-46a1-964c-bf7b72577bbd" providerId="ADAL" clId="{A3F01DAE-6EAB-4E99-B735-41D0D3BF3371}" dt="2024-04-18T19:20:07.143" v="3144" actId="108"/>
+        <pc:chgData name="Looby, Charlotte" userId="bf3d6bd8-f166-46a1-964c-bf7b72577bbd" providerId="ADAL" clId="{A3F01DAE-6EAB-4E99-B735-41D0D3BF3371}" dt="2024-04-23T11:11:25.386" v="4670" actId="20577"/>
         <pc:sldMkLst>
           <pc:docMk/>
           <pc:sldMk cId="2091114297" sldId="663"/>
         </pc:sldMkLst>
         <pc:spChg chg="mod">
-          <ac:chgData name="Looby, Charlotte" userId="bf3d6bd8-f166-46a1-964c-bf7b72577bbd" providerId="ADAL" clId="{A3F01DAE-6EAB-4E99-B735-41D0D3BF3371}" dt="2024-04-18T19:20:07.143" v="3144" actId="108"/>
+          <ac:chgData name="Looby, Charlotte" userId="bf3d6bd8-f166-46a1-964c-bf7b72577bbd" providerId="ADAL" clId="{A3F01DAE-6EAB-4E99-B735-41D0D3BF3371}" dt="2024-04-23T11:11:25.386" v="4670" actId="20577"/>
           <ac:spMkLst>
             <pc:docMk/>
             <pc:sldMk cId="2091114297" sldId="663"/>
@@ -405,8 +406,8 @@
           </ac:spMkLst>
         </pc:spChg>
       </pc:sldChg>
-      <pc:sldChg chg="addSp modSp mod modNotesTx">
-        <pc:chgData name="Looby, Charlotte" userId="bf3d6bd8-f166-46a1-964c-bf7b72577bbd" providerId="ADAL" clId="{A3F01DAE-6EAB-4E99-B735-41D0D3BF3371}" dt="2024-04-17T20:50:35.287" v="1702" actId="20577"/>
+      <pc:sldChg chg="addSp modSp mod ord modNotesTx">
+        <pc:chgData name="Looby, Charlotte" userId="bf3d6bd8-f166-46a1-964c-bf7b72577bbd" providerId="ADAL" clId="{A3F01DAE-6EAB-4E99-B735-41D0D3BF3371}" dt="2024-04-22T21:14:59.607" v="4448"/>
         <pc:sldMkLst>
           <pc:docMk/>
           <pc:sldMk cId="1749081637" sldId="674"/>
@@ -529,7 +530,7 @@
         </pc:spChg>
       </pc:sldChg>
       <pc:sldChg chg="modSp mod">
-        <pc:chgData name="Looby, Charlotte" userId="bf3d6bd8-f166-46a1-964c-bf7b72577bbd" providerId="ADAL" clId="{A3F01DAE-6EAB-4E99-B735-41D0D3BF3371}" dt="2024-04-20T14:18:17.773" v="4227" actId="20577"/>
+        <pc:chgData name="Looby, Charlotte" userId="bf3d6bd8-f166-46a1-964c-bf7b72577bbd" providerId="ADAL" clId="{A3F01DAE-6EAB-4E99-B735-41D0D3BF3371}" dt="2024-04-22T21:22:50.790" v="4598" actId="20577"/>
         <pc:sldMkLst>
           <pc:docMk/>
           <pc:sldMk cId="101503136" sldId="679"/>
@@ -543,7 +544,7 @@
           </ac:spMkLst>
         </pc:spChg>
         <pc:spChg chg="mod">
-          <ac:chgData name="Looby, Charlotte" userId="bf3d6bd8-f166-46a1-964c-bf7b72577bbd" providerId="ADAL" clId="{A3F01DAE-6EAB-4E99-B735-41D0D3BF3371}" dt="2024-04-20T14:18:17.773" v="4227" actId="20577"/>
+          <ac:chgData name="Looby, Charlotte" userId="bf3d6bd8-f166-46a1-964c-bf7b72577bbd" providerId="ADAL" clId="{A3F01DAE-6EAB-4E99-B735-41D0D3BF3371}" dt="2024-04-22T21:22:50.790" v="4598" actId="20577"/>
           <ac:spMkLst>
             <pc:docMk/>
             <pc:sldMk cId="101503136" sldId="679"/>
@@ -593,6 +594,29 @@
           <ac:spMkLst>
             <pc:docMk/>
             <pc:sldMk cId="564733629" sldId="681"/>
+            <ac:spMk id="7" creationId="{EAA96FED-E099-9194-668C-15D3F3C1F670}"/>
+          </ac:spMkLst>
+        </pc:spChg>
+      </pc:sldChg>
+      <pc:sldChg chg="modSp mod modNotesTx">
+        <pc:chgData name="Looby, Charlotte" userId="bf3d6bd8-f166-46a1-964c-bf7b72577bbd" providerId="ADAL" clId="{A3F01DAE-6EAB-4E99-B735-41D0D3BF3371}" dt="2024-04-22T21:39:14.433" v="4602" actId="20577"/>
+        <pc:sldMkLst>
+          <pc:docMk/>
+          <pc:sldMk cId="3057212398" sldId="683"/>
+        </pc:sldMkLst>
+        <pc:spChg chg="mod">
+          <ac:chgData name="Looby, Charlotte" userId="bf3d6bd8-f166-46a1-964c-bf7b72577bbd" providerId="ADAL" clId="{A3F01DAE-6EAB-4E99-B735-41D0D3BF3371}" dt="2024-04-22T21:14:27.175" v="4401" actId="20577"/>
+          <ac:spMkLst>
+            <pc:docMk/>
+            <pc:sldMk cId="3057212398" sldId="683"/>
+            <ac:spMk id="6" creationId="{538C1E78-309C-EBAE-F379-074BDD715A97}"/>
+          </ac:spMkLst>
+        </pc:spChg>
+        <pc:spChg chg="mod">
+          <ac:chgData name="Looby, Charlotte" userId="bf3d6bd8-f166-46a1-964c-bf7b72577bbd" providerId="ADAL" clId="{A3F01DAE-6EAB-4E99-B735-41D0D3BF3371}" dt="2024-04-22T21:39:14.433" v="4602" actId="20577"/>
+          <ac:spMkLst>
+            <pc:docMk/>
+            <pc:sldMk cId="3057212398" sldId="683"/>
             <ac:spMk id="7" creationId="{EAA96FED-E099-9194-668C-15D3F3C1F670}"/>
           </ac:spMkLst>
         </pc:spChg>
@@ -1537,52 +1561,6 @@
           <a:bodyPr/>
           <a:lstStyle/>
           <a:p>
-            <a:r>
-              <a:rPr lang="en-US" dirty="0"/>
-              <a:t>Jump into </a:t>
-            </a:r>
-            <a:r>
-              <a:rPr lang="en-US"/>
-              <a:t>example. This </a:t>
-            </a:r>
-            <a:r>
-              <a:rPr lang="en-US" dirty="0"/>
-              <a:t>is when you run the </a:t>
-            </a:r>
-            <a:r>
-              <a:rPr lang="en-US" dirty="0" err="1"/>
-              <a:t>R_script_example</a:t>
-            </a:r>
-            <a:r>
-              <a:rPr lang="en-US" dirty="0"/>
-              <a:t> program and walk through a Markdown document</a:t>
-            </a:r>
-          </a:p>
-          <a:p>
-            <a:endParaRPr lang="en-US" dirty="0"/>
-          </a:p>
-          <a:p>
-            <a:r>
-              <a:rPr lang="en-US" dirty="0"/>
-              <a:t>If you’re using posit cloud, new project upper right hand corner </a:t>
-            </a:r>
-            <a:r>
-              <a:rPr lang="en-US" dirty="0">
-                <a:sym typeface="Wingdings" panose="05000000000000000000" pitchFamily="2" charset="2"/>
-              </a:rPr>
-              <a:t> RStudio project</a:t>
-            </a:r>
-          </a:p>
-          <a:p>
-            <a:r>
-              <a:rPr lang="en-US" dirty="0">
-                <a:sym typeface="Wingdings" panose="05000000000000000000" pitchFamily="2" charset="2"/>
-              </a:rPr>
-              <a:t>What the different windows mean</a:t>
-            </a:r>
-            <a:endParaRPr lang="en-US" dirty="0"/>
-          </a:p>
-          <a:p>
             <a:endParaRPr lang="en-US" dirty="0"/>
           </a:p>
         </p:txBody>
@@ -1619,7 +1597,7 @@
     </p:spTree>
     <p:extLst>
       <p:ext uri="{BB962C8B-B14F-4D97-AF65-F5344CB8AC3E}">
-        <p14:creationId xmlns:p14="http://schemas.microsoft.com/office/powerpoint/2010/main" val="3165243853"/>
+        <p14:creationId xmlns:p14="http://schemas.microsoft.com/office/powerpoint/2010/main" val="2895875645"/>
       </p:ext>
     </p:extLst>
   </p:cSld>
@@ -1673,6 +1651,34 @@
           <a:bodyPr/>
           <a:lstStyle/>
           <a:p>
+            <a:r>
+              <a:rPr lang="en-US" dirty="0"/>
+              <a:t>https://www.tidyverse.org/</a:t>
+            </a:r>
+          </a:p>
+          <a:p>
+            <a:endParaRPr lang="en-US" b="0" i="0" dirty="0">
+              <a:solidFill>
+                <a:srgbClr val="E8EAED"/>
+              </a:solidFill>
+              <a:effectLst/>
+              <a:latin typeface="Google Sans"/>
+            </a:endParaRPr>
+          </a:p>
+          <a:p>
+            <a:r>
+              <a:rPr lang="en-US" b="0" i="0" dirty="0">
+                <a:solidFill>
+                  <a:srgbClr val="E8EAED"/>
+                </a:solidFill>
+                <a:effectLst/>
+                <a:latin typeface="Google Sans"/>
+              </a:rPr>
+              <a:t>Now you go through the R Markdown example. INSTALLING PACKAGES.</a:t>
+            </a:r>
+            <a:endParaRPr lang="en-US" dirty="0"/>
+          </a:p>
+          <a:p>
             <a:endParaRPr lang="en-US" dirty="0"/>
           </a:p>
         </p:txBody>
@@ -1709,7 +1715,7 @@
     </p:spTree>
     <p:extLst>
       <p:ext uri="{BB962C8B-B14F-4D97-AF65-F5344CB8AC3E}">
-        <p14:creationId xmlns:p14="http://schemas.microsoft.com/office/powerpoint/2010/main" val="2484997190"/>
+        <p14:creationId xmlns:p14="http://schemas.microsoft.com/office/powerpoint/2010/main" val="4222544517"/>
       </p:ext>
     </p:extLst>
   </p:cSld>
@@ -1764,197 +1770,52 @@
           <a:lstStyle/>
           <a:p>
             <a:r>
-              <a:rPr lang="en-US" b="0" i="0" dirty="0">
-                <a:solidFill>
-                  <a:srgbClr val="E8EAED"/>
-                </a:solidFill>
-                <a:effectLst/>
-                <a:latin typeface="Google Sans"/>
+              <a:rPr lang="en-US" dirty="0"/>
+              <a:t>Jump into </a:t>
+            </a:r>
+            <a:r>
+              <a:rPr lang="en-US"/>
+              <a:t>example. This </a:t>
+            </a:r>
+            <a:r>
+              <a:rPr lang="en-US" dirty="0"/>
+              <a:t>is when you run the </a:t>
+            </a:r>
+            <a:r>
+              <a:rPr lang="en-US" dirty="0" err="1"/>
+              <a:t>R_script_example</a:t>
+            </a:r>
+            <a:r>
+              <a:rPr lang="en-US" dirty="0"/>
+              <a:t> program and walk through a Markdown document</a:t>
+            </a:r>
+          </a:p>
+          <a:p>
+            <a:endParaRPr lang="en-US" dirty="0"/>
+          </a:p>
+          <a:p>
+            <a:r>
+              <a:rPr lang="en-US" dirty="0"/>
+              <a:t>If you’re using posit cloud, new project upper right hand corner </a:t>
+            </a:r>
+            <a:r>
+              <a:rPr lang="en-US" dirty="0">
+                <a:sym typeface="Wingdings" panose="05000000000000000000" pitchFamily="2" charset="2"/>
               </a:rPr>
-              <a:t>***DON’T GO TO NEXT SLIDE WITHOUT DISCUSSING TIDYVERSE***</a:t>
-            </a:r>
-          </a:p>
-          <a:p>
-            <a:endParaRPr lang="en-US" b="0" i="0" dirty="0">
-              <a:solidFill>
-                <a:srgbClr val="E8EAED"/>
-              </a:solidFill>
-              <a:effectLst/>
-              <a:latin typeface="Google Sans"/>
-            </a:endParaRPr>
-          </a:p>
-          <a:p>
-            <a:r>
-              <a:rPr lang="en-US" b="0" i="0" dirty="0">
-                <a:solidFill>
-                  <a:srgbClr val="E8EAED"/>
-                </a:solidFill>
-                <a:effectLst/>
-                <a:latin typeface="Google Sans"/>
+              <a:t> RStudio project</a:t>
+            </a:r>
+          </a:p>
+          <a:p>
+            <a:r>
+              <a:rPr lang="en-US" dirty="0">
+                <a:sym typeface="Wingdings" panose="05000000000000000000" pitchFamily="2" charset="2"/>
               </a:rPr>
-              <a:t>Kyle Walker</a:t>
-            </a:r>
-          </a:p>
-          <a:p>
-            <a:endParaRPr lang="en-US" b="0" i="0" dirty="0">
-              <a:solidFill>
-                <a:srgbClr val="E8EAED"/>
-              </a:solidFill>
-              <a:effectLst/>
-              <a:latin typeface="Google Sans"/>
-            </a:endParaRPr>
-          </a:p>
-          <a:p>
-            <a:r>
-              <a:rPr lang="en-US" b="0" i="0" dirty="0">
-                <a:solidFill>
-                  <a:srgbClr val="E8EAED"/>
-                </a:solidFill>
-                <a:effectLst/>
-                <a:latin typeface="Google Sans"/>
-              </a:rPr>
-              <a:t>Application Programming Interface</a:t>
-            </a:r>
-          </a:p>
-          <a:p>
-            <a:endParaRPr lang="en-US" b="0" i="0" dirty="0">
-              <a:solidFill>
-                <a:srgbClr val="E8EAED"/>
-              </a:solidFill>
-              <a:effectLst/>
-              <a:latin typeface="Google Sans"/>
-            </a:endParaRPr>
-          </a:p>
-          <a:p>
-            <a:r>
-              <a:rPr lang="en-US" b="0" i="0" dirty="0">
-                <a:solidFill>
-                  <a:srgbClr val="E8EAED"/>
-                </a:solidFill>
-                <a:effectLst/>
-                <a:latin typeface="Google Sans"/>
-              </a:rPr>
-              <a:t>The Census Data API is </a:t>
-            </a:r>
-            <a:r>
-              <a:rPr lang="en-US" b="0" i="0" dirty="0">
-                <a:solidFill>
-                  <a:srgbClr val="E2EEFF"/>
-                </a:solidFill>
-                <a:effectLst/>
-                <a:latin typeface="Google Sans"/>
-              </a:rPr>
-              <a:t>a data service that enables</a:t>
-            </a:r>
-            <a:r>
-              <a:rPr lang="en-US" b="0" i="0" dirty="0">
-                <a:solidFill>
-                  <a:srgbClr val="E8EAED"/>
-                </a:solidFill>
-                <a:effectLst/>
-                <a:latin typeface="Google Sans"/>
-              </a:rPr>
-              <a:t> </a:t>
-            </a:r>
-            <a:r>
-              <a:rPr lang="en-US" b="0" i="0" dirty="0">
-                <a:solidFill>
-                  <a:srgbClr val="E2EEFF"/>
-                </a:solidFill>
-                <a:effectLst/>
-                <a:latin typeface="Google Sans"/>
-              </a:rPr>
-              <a:t>developers, data scientists, and others to access and</a:t>
-            </a:r>
-            <a:r>
-              <a:rPr lang="en-US" b="0" i="0" dirty="0">
-                <a:solidFill>
-                  <a:srgbClr val="E8EAED"/>
-                </a:solidFill>
-                <a:effectLst/>
-                <a:latin typeface="Google Sans"/>
-              </a:rPr>
-              <a:t> </a:t>
-            </a:r>
-            <a:r>
-              <a:rPr lang="en-US" b="0" i="0" dirty="0">
-                <a:solidFill>
-                  <a:srgbClr val="E2EEFF"/>
-                </a:solidFill>
-                <a:effectLst/>
-                <a:latin typeface="Google Sans"/>
-              </a:rPr>
-              <a:t>use statistical data from the American Community</a:t>
-            </a:r>
-            <a:r>
-              <a:rPr lang="en-US" b="0" i="0" dirty="0">
-                <a:solidFill>
-                  <a:srgbClr val="E8EAED"/>
-                </a:solidFill>
-                <a:effectLst/>
-                <a:latin typeface="Google Sans"/>
-              </a:rPr>
-              <a:t> </a:t>
-            </a:r>
-            <a:r>
-              <a:rPr lang="en-US" b="0" i="0" dirty="0">
-                <a:solidFill>
-                  <a:srgbClr val="E2EEFF"/>
-                </a:solidFill>
-                <a:effectLst/>
-                <a:latin typeface="Google Sans"/>
-              </a:rPr>
-              <a:t>Survey (ACS), decennial census, Population Estimates</a:t>
-            </a:r>
-            <a:r>
-              <a:rPr lang="en-US" b="0" i="0" dirty="0">
-                <a:solidFill>
-                  <a:srgbClr val="E8EAED"/>
-                </a:solidFill>
-                <a:effectLst/>
-                <a:latin typeface="Google Sans"/>
-              </a:rPr>
-              <a:t>.</a:t>
-            </a:r>
-          </a:p>
-          <a:p>
-            <a:endParaRPr lang="en-US" b="0" i="0" dirty="0">
-              <a:solidFill>
-                <a:srgbClr val="E8EAED"/>
-              </a:solidFill>
-              <a:effectLst/>
-              <a:latin typeface="Google Sans"/>
-            </a:endParaRPr>
-          </a:p>
-          <a:p>
-            <a:r>
-              <a:rPr lang="en-US" b="0" i="0" dirty="0">
-                <a:solidFill>
-                  <a:srgbClr val="E8EAED"/>
-                </a:solidFill>
-                <a:effectLst/>
-                <a:latin typeface="Google Sans"/>
-              </a:rPr>
-              <a:t>500 calls to the API before you need a key.</a:t>
-            </a:r>
-          </a:p>
-          <a:p>
-            <a:endParaRPr lang="en-US" b="0" i="0" dirty="0">
-              <a:solidFill>
-                <a:srgbClr val="E8EAED"/>
-              </a:solidFill>
-              <a:effectLst/>
-              <a:latin typeface="Google Sans"/>
-            </a:endParaRPr>
-          </a:p>
-          <a:p>
-            <a:endParaRPr lang="en-US" b="0" i="0" dirty="0">
-              <a:solidFill>
-                <a:srgbClr val="E8EAED"/>
-              </a:solidFill>
-              <a:effectLst/>
-              <a:latin typeface="Google Sans"/>
-            </a:endParaRPr>
+              <a:t>What the different windows mean</a:t>
+            </a:r>
+            <a:endParaRPr lang="en-US" dirty="0"/>
+          </a:p>
+          <a:p>
+            <a:endParaRPr lang="en-US" dirty="0"/>
           </a:p>
         </p:txBody>
       </p:sp>
@@ -1981,7 +1842,7 @@
               <a:pPr>
                 <a:defRPr/>
               </a:pPr>
-              <a:t>8</a:t>
+              <a:t>6</a:t>
             </a:fld>
             <a:endParaRPr lang="en-US"/>
           </a:p>
@@ -1990,7 +1851,7 @@
     </p:spTree>
     <p:extLst>
       <p:ext uri="{BB962C8B-B14F-4D97-AF65-F5344CB8AC3E}">
-        <p14:creationId xmlns:p14="http://schemas.microsoft.com/office/powerpoint/2010/main" val="534039969"/>
+        <p14:creationId xmlns:p14="http://schemas.microsoft.com/office/powerpoint/2010/main" val="3165243853"/>
       </p:ext>
     </p:extLst>
   </p:cSld>
@@ -2044,34 +1905,6 @@
           <a:bodyPr/>
           <a:lstStyle/>
           <a:p>
-            <a:r>
-              <a:rPr lang="en-US" dirty="0"/>
-              <a:t>https://www.tidyverse.org/</a:t>
-            </a:r>
-          </a:p>
-          <a:p>
-            <a:endParaRPr lang="en-US" b="0" i="0" dirty="0">
-              <a:solidFill>
-                <a:srgbClr val="E8EAED"/>
-              </a:solidFill>
-              <a:effectLst/>
-              <a:latin typeface="Google Sans"/>
-            </a:endParaRPr>
-          </a:p>
-          <a:p>
-            <a:r>
-              <a:rPr lang="en-US" b="0" i="0" dirty="0">
-                <a:solidFill>
-                  <a:srgbClr val="E8EAED"/>
-                </a:solidFill>
-                <a:effectLst/>
-                <a:latin typeface="Google Sans"/>
-              </a:rPr>
-              <a:t>Now you go through the R Markdown example. INSTALLING PACKAGES.</a:t>
-            </a:r>
-            <a:endParaRPr lang="en-US" dirty="0"/>
-          </a:p>
-          <a:p>
             <a:endParaRPr lang="en-US" dirty="0"/>
           </a:p>
         </p:txBody>
@@ -2099,7 +1932,7 @@
               <a:pPr>
                 <a:defRPr/>
               </a:pPr>
-              <a:t>9</a:t>
+              <a:t>7</a:t>
             </a:fld>
             <a:endParaRPr lang="en-US"/>
           </a:p>
@@ -2108,7 +1941,7 @@
     </p:spTree>
     <p:extLst>
       <p:ext uri="{BB962C8B-B14F-4D97-AF65-F5344CB8AC3E}">
-        <p14:creationId xmlns:p14="http://schemas.microsoft.com/office/powerpoint/2010/main" val="4222544517"/>
+        <p14:creationId xmlns:p14="http://schemas.microsoft.com/office/powerpoint/2010/main" val="2484997190"/>
       </p:ext>
     </p:extLst>
   </p:cSld>
@@ -2162,7 +1995,198 @@
           <a:bodyPr/>
           <a:lstStyle/>
           <a:p>
-            <a:endParaRPr lang="en-US" dirty="0"/>
+            <a:r>
+              <a:rPr lang="en-US" b="0" i="0" dirty="0">
+                <a:solidFill>
+                  <a:srgbClr val="E8EAED"/>
+                </a:solidFill>
+                <a:effectLst/>
+                <a:latin typeface="Google Sans"/>
+              </a:rPr>
+              <a:t>***DON’T GO TO NEXT SLIDE WITHOUT DISCUSSING TIDYVERSE***</a:t>
+            </a:r>
+          </a:p>
+          <a:p>
+            <a:endParaRPr lang="en-US" b="0" i="0" dirty="0">
+              <a:solidFill>
+                <a:srgbClr val="E8EAED"/>
+              </a:solidFill>
+              <a:effectLst/>
+              <a:latin typeface="Google Sans"/>
+            </a:endParaRPr>
+          </a:p>
+          <a:p>
+            <a:r>
+              <a:rPr lang="en-US" b="0" i="0" dirty="0">
+                <a:solidFill>
+                  <a:srgbClr val="E8EAED"/>
+                </a:solidFill>
+                <a:effectLst/>
+                <a:latin typeface="Google Sans"/>
+              </a:rPr>
+              <a:t>Kyle Walker</a:t>
+            </a:r>
+          </a:p>
+          <a:p>
+            <a:endParaRPr lang="en-US" b="0" i="0" dirty="0">
+              <a:solidFill>
+                <a:srgbClr val="E8EAED"/>
+              </a:solidFill>
+              <a:effectLst/>
+              <a:latin typeface="Google Sans"/>
+            </a:endParaRPr>
+          </a:p>
+          <a:p>
+            <a:r>
+              <a:rPr lang="en-US" b="0" i="0" dirty="0">
+                <a:solidFill>
+                  <a:srgbClr val="E8EAED"/>
+                </a:solidFill>
+                <a:effectLst/>
+                <a:latin typeface="Google Sans"/>
+              </a:rPr>
+              <a:t>Application Programming Interface</a:t>
+            </a:r>
+          </a:p>
+          <a:p>
+            <a:endParaRPr lang="en-US" b="0" i="0" dirty="0">
+              <a:solidFill>
+                <a:srgbClr val="E8EAED"/>
+              </a:solidFill>
+              <a:effectLst/>
+              <a:latin typeface="Google Sans"/>
+            </a:endParaRPr>
+          </a:p>
+          <a:p>
+            <a:r>
+              <a:rPr lang="en-US" b="0" i="0" dirty="0">
+                <a:solidFill>
+                  <a:srgbClr val="E8EAED"/>
+                </a:solidFill>
+                <a:effectLst/>
+                <a:latin typeface="Google Sans"/>
+              </a:rPr>
+              <a:t>The Census Data API is </a:t>
+            </a:r>
+            <a:r>
+              <a:rPr lang="en-US" b="0" i="0" dirty="0">
+                <a:solidFill>
+                  <a:srgbClr val="E2EEFF"/>
+                </a:solidFill>
+                <a:effectLst/>
+                <a:latin typeface="Google Sans"/>
+              </a:rPr>
+              <a:t>a data service that enables</a:t>
+            </a:r>
+            <a:r>
+              <a:rPr lang="en-US" b="0" i="0" dirty="0">
+                <a:solidFill>
+                  <a:srgbClr val="E8EAED"/>
+                </a:solidFill>
+                <a:effectLst/>
+                <a:latin typeface="Google Sans"/>
+              </a:rPr>
+              <a:t> </a:t>
+            </a:r>
+            <a:r>
+              <a:rPr lang="en-US" b="0" i="0" dirty="0">
+                <a:solidFill>
+                  <a:srgbClr val="E2EEFF"/>
+                </a:solidFill>
+                <a:effectLst/>
+                <a:latin typeface="Google Sans"/>
+              </a:rPr>
+              <a:t>developers, data scientists, and others to access and</a:t>
+            </a:r>
+            <a:r>
+              <a:rPr lang="en-US" b="0" i="0" dirty="0">
+                <a:solidFill>
+                  <a:srgbClr val="E8EAED"/>
+                </a:solidFill>
+                <a:effectLst/>
+                <a:latin typeface="Google Sans"/>
+              </a:rPr>
+              <a:t> </a:t>
+            </a:r>
+            <a:r>
+              <a:rPr lang="en-US" b="0" i="0" dirty="0">
+                <a:solidFill>
+                  <a:srgbClr val="E2EEFF"/>
+                </a:solidFill>
+                <a:effectLst/>
+                <a:latin typeface="Google Sans"/>
+              </a:rPr>
+              <a:t>use statistical data from the American Community</a:t>
+            </a:r>
+            <a:r>
+              <a:rPr lang="en-US" b="0" i="0" dirty="0">
+                <a:solidFill>
+                  <a:srgbClr val="E8EAED"/>
+                </a:solidFill>
+                <a:effectLst/>
+                <a:latin typeface="Google Sans"/>
+              </a:rPr>
+              <a:t> </a:t>
+            </a:r>
+            <a:r>
+              <a:rPr lang="en-US" b="0" i="0" dirty="0">
+                <a:solidFill>
+                  <a:srgbClr val="E2EEFF"/>
+                </a:solidFill>
+                <a:effectLst/>
+                <a:latin typeface="Google Sans"/>
+              </a:rPr>
+              <a:t>Survey (ACS), decennial census, Population Estimates</a:t>
+            </a:r>
+            <a:r>
+              <a:rPr lang="en-US" b="0" i="0" dirty="0">
+                <a:solidFill>
+                  <a:srgbClr val="E8EAED"/>
+                </a:solidFill>
+                <a:effectLst/>
+                <a:latin typeface="Google Sans"/>
+              </a:rPr>
+              <a:t>.</a:t>
+            </a:r>
+          </a:p>
+          <a:p>
+            <a:endParaRPr lang="en-US" b="0" i="0" dirty="0">
+              <a:solidFill>
+                <a:srgbClr val="E8EAED"/>
+              </a:solidFill>
+              <a:effectLst/>
+              <a:latin typeface="Google Sans"/>
+            </a:endParaRPr>
+          </a:p>
+          <a:p>
+            <a:r>
+              <a:rPr lang="en-US" b="0" i="0" dirty="0">
+                <a:solidFill>
+                  <a:srgbClr val="E8EAED"/>
+                </a:solidFill>
+                <a:effectLst/>
+                <a:latin typeface="Google Sans"/>
+              </a:rPr>
+              <a:t>500 calls to the API before you need a key.</a:t>
+            </a:r>
+          </a:p>
+          <a:p>
+            <a:endParaRPr lang="en-US" b="0" i="0" dirty="0">
+              <a:solidFill>
+                <a:srgbClr val="E8EAED"/>
+              </a:solidFill>
+              <a:effectLst/>
+              <a:latin typeface="Google Sans"/>
+            </a:endParaRPr>
+          </a:p>
+          <a:p>
+            <a:endParaRPr lang="en-US" b="0" i="0" dirty="0">
+              <a:solidFill>
+                <a:srgbClr val="E8EAED"/>
+              </a:solidFill>
+              <a:effectLst/>
+              <a:latin typeface="Google Sans"/>
+            </a:endParaRPr>
           </a:p>
         </p:txBody>
       </p:sp>
@@ -2189,7 +2213,7 @@
               <a:pPr>
                 <a:defRPr/>
               </a:pPr>
-              <a:t>12</a:t>
+              <a:t>10</a:t>
             </a:fld>
             <a:endParaRPr lang="en-US"/>
           </a:p>
@@ -2198,7 +2222,7 @@
     </p:spTree>
     <p:extLst>
       <p:ext uri="{BB962C8B-B14F-4D97-AF65-F5344CB8AC3E}">
-        <p14:creationId xmlns:p14="http://schemas.microsoft.com/office/powerpoint/2010/main" val="3379771893"/>
+        <p14:creationId xmlns:p14="http://schemas.microsoft.com/office/powerpoint/2010/main" val="534039969"/>
       </p:ext>
     </p:extLst>
   </p:cSld>
@@ -2235,12 +2259,7 @@
             <p:ph type="sldImg"/>
           </p:nvPr>
         </p:nvSpPr>
-        <p:spPr>
-          <a:xfrm>
-            <a:off x="1171575" y="695325"/>
-            <a:ext cx="4641850" cy="3481388"/>
-          </a:xfrm>
-        </p:spPr>
+        <p:spPr/>
       </p:sp>
       <p:sp>
         <p:nvSpPr>
@@ -2257,7 +2276,7 @@
           <a:bodyPr/>
           <a:lstStyle/>
           <a:p>
-            <a:endParaRPr lang="en-US"/>
+            <a:endParaRPr lang="en-US" dirty="0"/>
           </a:p>
         </p:txBody>
       </p:sp>
@@ -2268,7 +2287,7 @@
             <a:spLocks noGrp="1"/>
           </p:cNvSpPr>
           <p:nvPr>
-            <p:ph type="sldNum" sz="quarter" idx="10"/>
+            <p:ph type="sldNum" sz="quarter" idx="5"/>
           </p:nvPr>
         </p:nvSpPr>
         <p:spPr/>
@@ -2284,7 +2303,102 @@
               <a:pPr>
                 <a:defRPr/>
               </a:pPr>
-              <a:t>14</a:t>
+              <a:t>13</a:t>
+            </a:fld>
+            <a:endParaRPr lang="en-US"/>
+          </a:p>
+        </p:txBody>
+      </p:sp>
+    </p:spTree>
+    <p:extLst>
+      <p:ext uri="{BB962C8B-B14F-4D97-AF65-F5344CB8AC3E}">
+        <p14:creationId xmlns:p14="http://schemas.microsoft.com/office/powerpoint/2010/main" val="3379771893"/>
+      </p:ext>
+    </p:extLst>
+  </p:cSld>
+  <p:clrMapOvr>
+    <a:masterClrMapping/>
+  </p:clrMapOvr>
+</p:notes>
+</file>
+
+<file path=ppt/notesSlides/notesSlide9.xml><?xml version="1.0" encoding="utf-8"?>
+<p:notes xmlns:a="http://schemas.openxmlformats.org/drawingml/2006/main" xmlns:r="http://schemas.openxmlformats.org/officeDocument/2006/relationships" xmlns:p="http://schemas.openxmlformats.org/presentationml/2006/main">
+  <p:cSld>
+    <p:spTree>
+      <p:nvGrpSpPr>
+        <p:cNvPr id="1" name=""/>
+        <p:cNvGrpSpPr/>
+        <p:nvPr/>
+      </p:nvGrpSpPr>
+      <p:grpSpPr>
+        <a:xfrm>
+          <a:off x="0" y="0"/>
+          <a:ext cx="0" cy="0"/>
+          <a:chOff x="0" y="0"/>
+          <a:chExt cx="0" cy="0"/>
+        </a:xfrm>
+      </p:grpSpPr>
+      <p:sp>
+        <p:nvSpPr>
+          <p:cNvPr id="2" name="Slide Image Placeholder 1"/>
+          <p:cNvSpPr>
+            <a:spLocks noGrp="1" noRot="1" noChangeAspect="1"/>
+          </p:cNvSpPr>
+          <p:nvPr>
+            <p:ph type="sldImg"/>
+          </p:nvPr>
+        </p:nvSpPr>
+        <p:spPr>
+          <a:xfrm>
+            <a:off x="1171575" y="695325"/>
+            <a:ext cx="4641850" cy="3481388"/>
+          </a:xfrm>
+        </p:spPr>
+      </p:sp>
+      <p:sp>
+        <p:nvSpPr>
+          <p:cNvPr id="3" name="Notes Placeholder 2"/>
+          <p:cNvSpPr>
+            <a:spLocks noGrp="1"/>
+          </p:cNvSpPr>
+          <p:nvPr>
+            <p:ph type="body" idx="1"/>
+          </p:nvPr>
+        </p:nvSpPr>
+        <p:spPr/>
+        <p:txBody>
+          <a:bodyPr/>
+          <a:lstStyle/>
+          <a:p>
+            <a:endParaRPr lang="en-US"/>
+          </a:p>
+        </p:txBody>
+      </p:sp>
+      <p:sp>
+        <p:nvSpPr>
+          <p:cNvPr id="4" name="Slide Number Placeholder 3"/>
+          <p:cNvSpPr>
+            <a:spLocks noGrp="1"/>
+          </p:cNvSpPr>
+          <p:nvPr>
+            <p:ph type="sldNum" sz="quarter" idx="10"/>
+          </p:nvPr>
+        </p:nvSpPr>
+        <p:spPr/>
+        <p:txBody>
+          <a:bodyPr/>
+          <a:lstStyle/>
+          <a:p>
+            <a:pPr>
+              <a:defRPr/>
+            </a:pPr>
+            <a:fld id="{8DB8C9F8-2507-43B8-94EB-5DEE5D53B02A}" type="slidenum">
+              <a:rPr lang="en-US" smtClean="0"/>
+              <a:pPr>
+                <a:defRPr/>
+              </a:pPr>
+              <a:t>15</a:t>
             </a:fld>
             <a:endParaRPr lang="en-US"/>
           </a:p>
@@ -11760,7 +11874,7 @@
           <a:p>
             <a:r>
               <a:rPr lang="en-US" dirty="0"/>
-              <a:t>Exercise 1</a:t>
+              <a:t>tidycensus</a:t>
             </a:r>
           </a:p>
         </p:txBody>
@@ -11788,39 +11902,65 @@
           <a:p>
             <a:r>
               <a:rPr lang="en-US" dirty="0"/>
-              <a:t>Knit an HTML document that produces a table of median income of each Ohio county, by ascending </a:t>
-            </a:r>
-            <a:r>
-              <a:rPr lang="en-US"/>
-              <a:t>median income</a:t>
-            </a:r>
-            <a:endParaRPr lang="en-US" dirty="0"/>
+              <a:t>Accesses a few of the Census Bureau’s data APIs</a:t>
+            </a:r>
           </a:p>
           <a:p>
             <a:pPr lvl="1"/>
             <a:r>
               <a:rPr lang="en-US" dirty="0"/>
-              <a:t>In the </a:t>
+              <a:t>American Community Survey</a:t>
+            </a:r>
+          </a:p>
+          <a:p>
+            <a:pPr lvl="1"/>
+            <a:r>
+              <a:rPr lang="en-US" dirty="0"/>
+              <a:t>Decennial Census </a:t>
+            </a:r>
+          </a:p>
+          <a:p>
+            <a:r>
+              <a:rPr lang="en-US" dirty="0"/>
+              <a:t>Variables able to be used found using </a:t>
             </a:r>
             <a:r>
               <a:rPr lang="en-US" dirty="0" err="1"/>
-              <a:t>lookup_ACS</a:t>
+              <a:t>load_variables</a:t>
             </a:r>
             <a:r>
               <a:rPr lang="en-US" dirty="0"/>
-              <a:t> dataset, look for “median income” (hint: variables with “PR” in the name only apply to Puerto Rico)</a:t>
-            </a:r>
-          </a:p>
-          <a:p>
-            <a:pPr lvl="1"/>
-            <a:endParaRPr lang="en-US" dirty="0"/>
+              <a:t>()</a:t>
+            </a:r>
+          </a:p>
+          <a:p>
+            <a:r>
+              <a:rPr lang="en-US" dirty="0"/>
+              <a:t>Geography available, useful for mapping</a:t>
+            </a:r>
+          </a:p>
+          <a:p>
+            <a:r>
+              <a:rPr lang="en-US" dirty="0"/>
+              <a:t>Request a Census API key: </a:t>
+            </a:r>
+            <a:r>
+              <a:rPr lang="en-US" dirty="0">
+                <a:hlinkClick r:id="rId3"/>
+              </a:rPr>
+              <a:t>https://api.census.gov/data/key_signup.html</a:t>
+            </a:r>
+            <a:r>
+              <a:rPr lang="en-US" dirty="0"/>
+              <a:t> </a:t>
+            </a:r>
           </a:p>
         </p:txBody>
       </p:sp>
     </p:spTree>
     <p:extLst>
       <p:ext uri="{BB962C8B-B14F-4D97-AF65-F5344CB8AC3E}">
-        <p14:creationId xmlns:p14="http://schemas.microsoft.com/office/powerpoint/2010/main" val="375057275"/>
+        <p14:creationId xmlns:p14="http://schemas.microsoft.com/office/powerpoint/2010/main" val="564733629"/>
       </p:ext>
     </p:extLst>
   </p:cSld>
@@ -11902,7 +12042,7 @@
           <a:p>
             <a:r>
               <a:rPr lang="en-US" dirty="0"/>
-              <a:t>Making interactive maps with leaflet</a:t>
+              <a:t>Exercise 1</a:t>
             </a:r>
           </a:p>
         </p:txBody>
@@ -11930,30 +12070,31 @@
           <a:p>
             <a:r>
               <a:rPr lang="en-US" dirty="0"/>
-              <a:t>Use shape files and </a:t>
+              <a:t>Knit an HTML document that produces a table of median income of each Ohio county, by ascending </a:t>
+            </a:r>
+            <a:r>
+              <a:rPr lang="en-US"/>
+              <a:t>median income</a:t>
+            </a:r>
+            <a:endParaRPr lang="en-US" dirty="0"/>
+          </a:p>
+          <a:p>
+            <a:pPr lvl="1"/>
+            <a:r>
+              <a:rPr lang="en-US" dirty="0"/>
+              <a:t>In the </a:t>
             </a:r>
             <a:r>
               <a:rPr lang="en-US" dirty="0" err="1"/>
-              <a:t>lat</a:t>
+              <a:t>lookup_ACS</a:t>
             </a:r>
             <a:r>
               <a:rPr lang="en-US" dirty="0"/>
-              <a:t>/longs to make maps</a:t>
-            </a:r>
-          </a:p>
-          <a:p>
-            <a:r>
-              <a:rPr lang="en-US" dirty="0"/>
-              <a:t>Add layers like tiles, markers, popups, etc.</a:t>
-            </a:r>
-          </a:p>
-          <a:p>
-            <a:r>
-              <a:rPr lang="en-US" dirty="0"/>
-              <a:t>Interactive features zooming, clusters, and the like</a:t>
-            </a:r>
-          </a:p>
-          <a:p>
+              <a:t> dataset, look for “median income” (hint: variables with “PR” in the name only apply to Puerto Rico)</a:t>
+            </a:r>
+          </a:p>
+          <a:p>
+            <a:pPr lvl="1"/>
             <a:endParaRPr lang="en-US" dirty="0"/>
           </a:p>
         </p:txBody>
@@ -11961,7 +12102,7 @@
     </p:spTree>
     <p:extLst>
       <p:ext uri="{BB962C8B-B14F-4D97-AF65-F5344CB8AC3E}">
-        <p14:creationId xmlns:p14="http://schemas.microsoft.com/office/powerpoint/2010/main" val="2744075551"/>
+        <p14:creationId xmlns:p14="http://schemas.microsoft.com/office/powerpoint/2010/main" val="375057275"/>
       </p:ext>
     </p:extLst>
   </p:cSld>
@@ -12043,7 +12184,7 @@
           <a:p>
             <a:r>
               <a:rPr lang="en-US" dirty="0"/>
-              <a:t>Exercise 2</a:t>
+              <a:t>Making interactive maps with leaflet</a:t>
             </a:r>
           </a:p>
         </p:txBody>
@@ -12071,41 +12212,38 @@
           <a:p>
             <a:r>
               <a:rPr lang="en-US" dirty="0"/>
-              <a:t>Create a map of Ohio counties, with color indicating median income (use program started for Exercise 1, add on to it)</a:t>
-            </a:r>
-          </a:p>
-          <a:p>
-            <a:pPr lvl="1"/>
+              <a:t>Use shape files and </a:t>
+            </a:r>
+            <a:r>
+              <a:rPr lang="en-US" dirty="0" err="1"/>
+              <a:t>lat</a:t>
+            </a:r>
             <a:r>
               <a:rPr lang="en-US" dirty="0"/>
-              <a:t>Recommend pulling from ACS API again to include geometry just for the graph. Kable doesn’t like creating tables with geometries </a:t>
-            </a:r>
-            <a:r>
-              <a:rPr lang="en-US"/>
-              <a:t>in them.</a:t>
-            </a:r>
+              <a:t>/longs to make maps</a:t>
+            </a:r>
+          </a:p>
+          <a:p>
+            <a:r>
+              <a:rPr lang="en-US" dirty="0"/>
+              <a:t>Add layers like tiles, markers, popups, etc.</a:t>
+            </a:r>
+          </a:p>
+          <a:p>
+            <a:r>
+              <a:rPr lang="en-US" dirty="0"/>
+              <a:t>Interactive features zooming, clusters, and the like</a:t>
+            </a:r>
+          </a:p>
+          <a:p>
             <a:endParaRPr lang="en-US" dirty="0"/>
-          </a:p>
-          <a:p>
-            <a:pPr lvl="1"/>
-            <a:r>
-              <a:rPr lang="en-US" dirty="0"/>
-              <a:t>If using RStudio on PC, knit </a:t>
-            </a:r>
-          </a:p>
-          <a:p>
-            <a:pPr lvl="1"/>
-            <a:r>
-              <a:rPr lang="en-US" dirty="0"/>
-              <a:t>If using RStudio in the posit cloud, don’t knit</a:t>
-            </a:r>
           </a:p>
         </p:txBody>
       </p:sp>
     </p:spTree>
     <p:extLst>
       <p:ext uri="{BB962C8B-B14F-4D97-AF65-F5344CB8AC3E}">
-        <p14:creationId xmlns:p14="http://schemas.microsoft.com/office/powerpoint/2010/main" val="1890411278"/>
+        <p14:creationId xmlns:p14="http://schemas.microsoft.com/office/powerpoint/2010/main" val="2744075551"/>
       </p:ext>
     </p:extLst>
   </p:cSld>
@@ -12187,7 +12325,7 @@
           <a:p>
             <a:r>
               <a:rPr lang="en-US" dirty="0"/>
-              <a:t>References</a:t>
+              <a:t>Exercise 2</a:t>
             </a:r>
           </a:p>
         </p:txBody>
@@ -12214,6 +12352,150 @@
           <a:lstStyle/>
           <a:p>
             <a:r>
+              <a:rPr lang="en-US" dirty="0"/>
+              <a:t>Create a map of Ohio counties, with color indicating median income (use program started for Exercise 1, add on to it)</a:t>
+            </a:r>
+          </a:p>
+          <a:p>
+            <a:pPr lvl="1"/>
+            <a:r>
+              <a:rPr lang="en-US" dirty="0"/>
+              <a:t>Recommend pulling from ACS API again to include geometry just for the graph. Kable doesn’t like creating tables with geometries </a:t>
+            </a:r>
+            <a:r>
+              <a:rPr lang="en-US"/>
+              <a:t>in them.</a:t>
+            </a:r>
+            <a:endParaRPr lang="en-US" dirty="0"/>
+          </a:p>
+          <a:p>
+            <a:pPr lvl="1"/>
+            <a:r>
+              <a:rPr lang="en-US" dirty="0"/>
+              <a:t>If using RStudio on PC, knit </a:t>
+            </a:r>
+          </a:p>
+          <a:p>
+            <a:pPr lvl="1"/>
+            <a:r>
+              <a:rPr lang="en-US" dirty="0"/>
+              <a:t>If using RStudio in the posit cloud, don’t knit</a:t>
+            </a:r>
+          </a:p>
+        </p:txBody>
+      </p:sp>
+    </p:spTree>
+    <p:extLst>
+      <p:ext uri="{BB962C8B-B14F-4D97-AF65-F5344CB8AC3E}">
+        <p14:creationId xmlns:p14="http://schemas.microsoft.com/office/powerpoint/2010/main" val="1890411278"/>
+      </p:ext>
+    </p:extLst>
+  </p:cSld>
+  <p:clrMapOvr>
+    <a:masterClrMapping/>
+  </p:clrMapOvr>
+</p:sld>
+</file>
+
+<file path=ppt/slides/slide14.xml><?xml version="1.0" encoding="utf-8"?>
+<p:sld xmlns:a="http://schemas.openxmlformats.org/drawingml/2006/main" xmlns:r="http://schemas.openxmlformats.org/officeDocument/2006/relationships" xmlns:p="http://schemas.openxmlformats.org/presentationml/2006/main">
+  <p:cSld>
+    <p:spTree>
+      <p:nvGrpSpPr>
+        <p:cNvPr id="1" name=""/>
+        <p:cNvGrpSpPr/>
+        <p:nvPr/>
+      </p:nvGrpSpPr>
+      <p:grpSpPr>
+        <a:xfrm>
+          <a:off x="0" y="0"/>
+          <a:ext cx="0" cy="0"/>
+          <a:chOff x="0" y="0"/>
+          <a:chExt cx="0" cy="0"/>
+        </a:xfrm>
+      </p:grpSpPr>
+      <p:sp>
+        <p:nvSpPr>
+          <p:cNvPr id="5" name="Footer Placeholder 4">
+            <a:extLst>
+              <a:ext uri="{FF2B5EF4-FFF2-40B4-BE49-F238E27FC236}">
+                <a16:creationId xmlns:a16="http://schemas.microsoft.com/office/drawing/2014/main" id="{F34107C3-7CF0-3C48-AF1E-FA76BAF67AEB}"/>
+              </a:ext>
+            </a:extLst>
+          </p:cNvPr>
+          <p:cNvSpPr>
+            <a:spLocks noGrp="1"/>
+          </p:cNvSpPr>
+          <p:nvPr>
+            <p:ph type="ftr" sz="quarter" idx="11"/>
+          </p:nvPr>
+        </p:nvSpPr>
+        <p:spPr>
+          <a:solidFill>
+            <a:srgbClr val="7030A0"/>
+          </a:solidFill>
+        </p:spPr>
+        <p:txBody>
+          <a:bodyPr/>
+          <a:lstStyle/>
+          <a:p>
+            <a:r>
+              <a:rPr lang="en-US" dirty="0"/>
+              <a:t>IFD&amp;TC24</a:t>
+            </a:r>
+          </a:p>
+        </p:txBody>
+      </p:sp>
+      <p:sp>
+        <p:nvSpPr>
+          <p:cNvPr id="6" name="Title 5">
+            <a:extLst>
+              <a:ext uri="{FF2B5EF4-FFF2-40B4-BE49-F238E27FC236}">
+                <a16:creationId xmlns:a16="http://schemas.microsoft.com/office/drawing/2014/main" id="{538C1E78-309C-EBAE-F379-074BDD715A97}"/>
+              </a:ext>
+            </a:extLst>
+          </p:cNvPr>
+          <p:cNvSpPr>
+            <a:spLocks noGrp="1"/>
+          </p:cNvSpPr>
+          <p:nvPr>
+            <p:ph type="title"/>
+          </p:nvPr>
+        </p:nvSpPr>
+        <p:spPr/>
+        <p:txBody>
+          <a:bodyPr/>
+          <a:lstStyle/>
+          <a:p>
+            <a:r>
+              <a:rPr lang="en-US" dirty="0"/>
+              <a:t>References</a:t>
+            </a:r>
+          </a:p>
+        </p:txBody>
+      </p:sp>
+      <p:sp>
+        <p:nvSpPr>
+          <p:cNvPr id="7" name="Content Placeholder 6">
+            <a:extLst>
+              <a:ext uri="{FF2B5EF4-FFF2-40B4-BE49-F238E27FC236}">
+                <a16:creationId xmlns:a16="http://schemas.microsoft.com/office/drawing/2014/main" id="{EAA96FED-E099-9194-668C-15D3F3C1F670}"/>
+              </a:ext>
+            </a:extLst>
+          </p:cNvPr>
+          <p:cNvSpPr>
+            <a:spLocks noGrp="1"/>
+          </p:cNvSpPr>
+          <p:nvPr>
+            <p:ph idx="1"/>
+          </p:nvPr>
+        </p:nvSpPr>
+        <p:spPr/>
+        <p:txBody>
+          <a:bodyPr/>
+          <a:lstStyle/>
+          <a:p>
+            <a:r>
               <a:rPr lang="en-US" dirty="0" err="1"/>
               <a:t>rmarkdown</a:t>
             </a:r>
@@ -12310,12 +12592,8 @@
           </a:p>
           <a:p>
             <a:r>
-              <a:rPr lang="en-US" sz="1800" dirty="0"/>
-              <a:t>leaflet</a:t>
-            </a:r>
-            <a:r>
               <a:rPr lang="en-US" dirty="0"/>
-              <a:t>: </a:t>
+              <a:t>leaflet: </a:t>
             </a:r>
             <a:r>
               <a:rPr lang="en-US" dirty="0">
@@ -12383,6 +12661,41 @@
             </a:r>
             <a:r>
               <a:rPr lang="en-US" dirty="0">
+                <a:solidFill>
+                  <a:schemeClr val="tx1"/>
+                </a:solidFill>
+              </a:rPr>
+              <a:t> </a:t>
+            </a:r>
+          </a:p>
+          <a:p>
+            <a:r>
+              <a:rPr lang="en-US" dirty="0">
+                <a:solidFill>
+                  <a:schemeClr val="tx1"/>
+                </a:solidFill>
+              </a:rPr>
+              <a:t>R Graph Gallery book (intro to </a:t>
+            </a:r>
+            <a:r>
+              <a:rPr lang="en-US">
+                <a:solidFill>
+                  <a:schemeClr val="tx1"/>
+                </a:solidFill>
+              </a:rPr>
+              <a:t>data visualization in R): </a:t>
+            </a:r>
+            <a:r>
+              <a:rPr lang="en-US">
+                <a:solidFill>
+                  <a:schemeClr val="tx1"/>
+                </a:solidFill>
+                <a:hlinkClick r:id="rId9"/>
+              </a:rPr>
+              <a:t>https://bookdown.org/content/b298e479-b1ab-49fa-b83d-a57c2b034d49/</a:t>
+            </a:r>
+            <a:r>
+              <a:rPr lang="en-US">
                 <a:solidFill>
                   <a:schemeClr val="tx1"/>
                 </a:solidFill>
@@ -12406,7 +12719,7 @@
 </p:sld>
 </file>
 
-<file path=ppt/slides/slide14.xml><?xml version="1.0" encoding="utf-8"?>
+<file path=ppt/slides/slide15.xml><?xml version="1.0" encoding="utf-8"?>
 <p:sld xmlns:a="http://schemas.openxmlformats.org/drawingml/2006/main" xmlns:r="http://schemas.openxmlformats.org/officeDocument/2006/relationships" xmlns:p="http://schemas.openxmlformats.org/presentationml/2006/main">
   <p:cSld>
     <p:spTree>
@@ -12792,7 +13105,7 @@
             <a:pPr lvl="1"/>
             <a:r>
               <a:rPr lang="en-US" dirty="0"/>
-              <a:t>There’s also a link to this in an email from Kevin</a:t>
+              <a:t>There’s also a link to this in this morning’s email from Kevin</a:t>
             </a:r>
           </a:p>
           <a:p>
@@ -13521,15 +13834,7 @@
           <a:p>
             <a:r>
               <a:rPr lang="en-US" i="1" dirty="0"/>
-              <a:t>Why use </a:t>
-            </a:r>
-            <a:r>
-              <a:rPr lang="en-US" i="1" dirty="0" err="1"/>
-              <a:t>rmarkdown</a:t>
-            </a:r>
-            <a:r>
-              <a:rPr lang="en-US" i="1" dirty="0"/>
-              <a:t>?</a:t>
+              <a:t>Some notes about R</a:t>
             </a:r>
           </a:p>
         </p:txBody>
@@ -13557,57 +13862,46 @@
           <a:p>
             <a:r>
               <a:rPr lang="en-US" dirty="0"/>
-              <a:t>See your code and its results side-by-side in the .</a:t>
+              <a:t>Open source statistical programming language</a:t>
+            </a:r>
+          </a:p>
+          <a:p>
+            <a:r>
+              <a:rPr lang="en-US" dirty="0"/>
+              <a:t>Case-sensitive</a:t>
+            </a:r>
+          </a:p>
+          <a:p>
+            <a:r>
+              <a:rPr lang="en-US" dirty="0"/>
+              <a:t>Reads </a:t>
+            </a:r>
+            <a:r>
+              <a:rPr lang="en-US"/>
+              <a:t>in packages</a:t>
+            </a:r>
+            <a:endParaRPr lang="en-US" dirty="0"/>
+          </a:p>
+          <a:p>
+            <a:r>
+              <a:rPr lang="en-US" dirty="0"/>
+              <a:t>Use </a:t>
             </a:r>
             <a:r>
               <a:rPr lang="en-US" dirty="0" err="1"/>
-              <a:t>Rmd</a:t>
+              <a:t>install.packages</a:t>
             </a:r>
             <a:r>
               <a:rPr lang="en-US" dirty="0"/>
-              <a:t> program</a:t>
-            </a:r>
-          </a:p>
-          <a:p>
+              <a:t>(“</a:t>
+            </a:r>
+            <a:r>
+              <a:rPr lang="en-US" dirty="0" err="1"/>
+              <a:t>packagename</a:t>
+            </a:r>
             <a:r>
               <a:rPr lang="en-US" dirty="0"/>
-              <a:t>Knit your code chunks together—including text, tables, plots, etc.—to render PDF, MS Word, HTML, or MS PowerPoint files.</a:t>
-            </a:r>
-          </a:p>
-          <a:p>
-            <a:r>
-              <a:rPr lang="en-US" dirty="0"/>
-              <a:t>Create interactive documents that contain </a:t>
-            </a:r>
-            <a:r>
-              <a:rPr lang="en-US" dirty="0" err="1"/>
-              <a:t>htmlwidgets</a:t>
-            </a:r>
-            <a:r>
-              <a:rPr lang="en-US" dirty="0"/>
-              <a:t> or Shiny components.</a:t>
-            </a:r>
-          </a:p>
-          <a:p>
-            <a:r>
-              <a:rPr lang="en-US" dirty="0"/>
-              <a:t>Create dashboards, websites, and more</a:t>
-            </a:r>
-          </a:p>
-          <a:p>
-            <a:r>
-              <a:rPr lang="en-US" dirty="0"/>
-              <a:t>Examples: </a:t>
-            </a:r>
-            <a:r>
-              <a:rPr lang="en-US" dirty="0">
-                <a:hlinkClick r:id="rId3"/>
-              </a:rPr>
-              <a:t>https://rmarkdown.rstudio.com/gallery.html</a:t>
-            </a:r>
-            <a:r>
-              <a:rPr lang="en-US" dirty="0"/>
-              <a:t> </a:t>
+              <a:t>”) prior to loading with library()</a:t>
             </a:r>
           </a:p>
         </p:txBody>
@@ -13615,7 +13909,7 @@
     </p:spTree>
     <p:extLst>
       <p:ext uri="{BB962C8B-B14F-4D97-AF65-F5344CB8AC3E}">
-        <p14:creationId xmlns:p14="http://schemas.microsoft.com/office/powerpoint/2010/main" val="4224860261"/>
+        <p14:creationId xmlns:p14="http://schemas.microsoft.com/office/powerpoint/2010/main" val="3057212398"/>
       </p:ext>
     </p:extLst>
   </p:cSld>
@@ -13626,7 +13920,7 @@
 </file>
 
 <file path=ppt/slides/slide5.xml><?xml version="1.0" encoding="utf-8"?>
-<p:sld xmlns:a="http://schemas.openxmlformats.org/drawingml/2006/main" xmlns:r="http://schemas.openxmlformats.org/officeDocument/2006/relationships" xmlns:p="http://schemas.openxmlformats.org/presentationml/2006/main" show="0">
+<p:sld xmlns:a="http://schemas.openxmlformats.org/drawingml/2006/main" xmlns:r="http://schemas.openxmlformats.org/officeDocument/2006/relationships" xmlns:p="http://schemas.openxmlformats.org/presentationml/2006/main">
   <p:cSld>
     <p:spTree>
       <p:nvGrpSpPr>
@@ -13697,7 +13991,7 @@
           <a:p>
             <a:r>
               <a:rPr lang="en-US" dirty="0"/>
-              <a:t>Let’s get started!</a:t>
+              <a:t>A quick note about tidyverse</a:t>
             </a:r>
           </a:p>
         </p:txBody>
@@ -13725,31 +14019,48 @@
           <a:p>
             <a:r>
               <a:rPr lang="en-US" dirty="0"/>
-              <a:t>Once you’re looking at a fresh RStudio session, go to File </a:t>
-            </a:r>
-            <a:r>
-              <a:rPr lang="en-US" dirty="0">
-                <a:sym typeface="Wingdings" panose="05000000000000000000" pitchFamily="2" charset="2"/>
-              </a:rPr>
-              <a:t> New File  R Markdown</a:t>
-            </a:r>
-          </a:p>
-          <a:p>
-            <a:pPr lvl="1"/>
-            <a:r>
-              <a:rPr lang="en-US" dirty="0">
-                <a:sym typeface="Wingdings" panose="05000000000000000000" pitchFamily="2" charset="2"/>
-              </a:rPr>
-              <a:t>You may be prompted to install packages</a:t>
-            </a:r>
+              <a:t>tidycensus uses tidyverse packages</a:t>
+            </a:r>
+          </a:p>
+          <a:p>
             <a:endParaRPr lang="en-US" dirty="0"/>
           </a:p>
         </p:txBody>
       </p:sp>
+      <p:pic>
+        <p:nvPicPr>
+          <p:cNvPr id="3" name="Picture 2">
+            <a:extLst>
+              <a:ext uri="{FF2B5EF4-FFF2-40B4-BE49-F238E27FC236}">
+                <a16:creationId xmlns:a16="http://schemas.microsoft.com/office/drawing/2014/main" id="{781B83ED-EE4A-DC20-C9B4-7E046075BB2F}"/>
+              </a:ext>
+            </a:extLst>
+          </p:cNvPr>
+          <p:cNvPicPr>
+            <a:picLocks noChangeAspect="1"/>
+          </p:cNvPicPr>
+          <p:nvPr/>
+        </p:nvPicPr>
+        <p:blipFill>
+          <a:blip r:embed="rId3"/>
+          <a:stretch>
+            <a:fillRect/>
+          </a:stretch>
+        </p:blipFill>
+        <p:spPr>
+          <a:xfrm>
+            <a:off x="599321" y="2032347"/>
+            <a:ext cx="7917925" cy="3606452"/>
+          </a:xfrm>
+          <a:prstGeom prst="rect">
+            <a:avLst/>
+          </a:prstGeom>
+        </p:spPr>
+      </p:pic>
     </p:spTree>
     <p:extLst>
       <p:ext uri="{BB962C8B-B14F-4D97-AF65-F5344CB8AC3E}">
-        <p14:creationId xmlns:p14="http://schemas.microsoft.com/office/powerpoint/2010/main" val="2957228376"/>
+        <p14:creationId xmlns:p14="http://schemas.microsoft.com/office/powerpoint/2010/main" val="1749081637"/>
       </p:ext>
     </p:extLst>
   </p:cSld>
@@ -13760,7 +14071,7 @@
 </file>
 
 <file path=ppt/slides/slide6.xml><?xml version="1.0" encoding="utf-8"?>
-<p:sld xmlns:a="http://schemas.openxmlformats.org/drawingml/2006/main" xmlns:r="http://schemas.openxmlformats.org/officeDocument/2006/relationships" xmlns:p="http://schemas.openxmlformats.org/presentationml/2006/main" show="0">
+<p:sld xmlns:a="http://schemas.openxmlformats.org/drawingml/2006/main" xmlns:r="http://schemas.openxmlformats.org/officeDocument/2006/relationships" xmlns:p="http://schemas.openxmlformats.org/presentationml/2006/main">
   <p:cSld>
     <p:spTree>
       <p:nvGrpSpPr>
@@ -13829,43 +14140,103 @@
           <a:bodyPr/>
           <a:lstStyle/>
           <a:p>
-            <a:endParaRPr lang="en-US"/>
-          </a:p>
-        </p:txBody>
-      </p:sp>
-      <p:pic>
-        <p:nvPicPr>
-          <p:cNvPr id="9" name="Content Placeholder 8">
+            <a:r>
+              <a:rPr lang="en-US" i="1" dirty="0"/>
+              <a:t>Why use </a:t>
+            </a:r>
+            <a:r>
+              <a:rPr lang="en-US" i="1" dirty="0" err="1"/>
+              <a:t>rmarkdown</a:t>
+            </a:r>
+            <a:r>
+              <a:rPr lang="en-US" i="1" dirty="0"/>
+              <a:t>?</a:t>
+            </a:r>
+          </a:p>
+        </p:txBody>
+      </p:sp>
+      <p:sp>
+        <p:nvSpPr>
+          <p:cNvPr id="7" name="Content Placeholder 6">
             <a:extLst>
               <a:ext uri="{FF2B5EF4-FFF2-40B4-BE49-F238E27FC236}">
-                <a16:creationId xmlns:a16="http://schemas.microsoft.com/office/drawing/2014/main" id="{D218508F-E6DB-1C09-BC06-2F7FD602898F}"/>
+                <a16:creationId xmlns:a16="http://schemas.microsoft.com/office/drawing/2014/main" id="{EAA96FED-E099-9194-668C-15D3F3C1F670}"/>
               </a:ext>
             </a:extLst>
           </p:cNvPr>
-          <p:cNvPicPr>
-            <a:picLocks noGrp="1" noChangeAspect="1"/>
-          </p:cNvPicPr>
+          <p:cNvSpPr>
+            <a:spLocks noGrp="1"/>
+          </p:cNvSpPr>
           <p:nvPr>
             <p:ph idx="1"/>
           </p:nvPr>
-        </p:nvPicPr>
-        <p:blipFill>
-          <a:blip r:embed="rId2"/>
-          <a:stretch>
-            <a:fillRect/>
-          </a:stretch>
-        </p:blipFill>
-        <p:spPr>
-          <a:xfrm>
-            <a:off x="2062162" y="2331244"/>
-            <a:ext cx="4991100" cy="2505075"/>
-          </a:xfrm>
-        </p:spPr>
-      </p:pic>
+        </p:nvSpPr>
+        <p:spPr/>
+        <p:txBody>
+          <a:bodyPr/>
+          <a:lstStyle/>
+          <a:p>
+            <a:r>
+              <a:rPr lang="en-US" dirty="0"/>
+              <a:t>See your code and its results side-by-side in the .</a:t>
+            </a:r>
+            <a:r>
+              <a:rPr lang="en-US" dirty="0" err="1"/>
+              <a:t>Rmd</a:t>
+            </a:r>
+            <a:r>
+              <a:rPr lang="en-US" dirty="0"/>
+              <a:t> program</a:t>
+            </a:r>
+          </a:p>
+          <a:p>
+            <a:r>
+              <a:rPr lang="en-US" dirty="0"/>
+              <a:t>Knit your code chunks together—including text, tables, plots, etc.—to render PDF, MS Word, HTML, or MS PowerPoint files.</a:t>
+            </a:r>
+          </a:p>
+          <a:p>
+            <a:r>
+              <a:rPr lang="en-US" dirty="0"/>
+              <a:t>Create interactive documents that contain </a:t>
+            </a:r>
+            <a:r>
+              <a:rPr lang="en-US" dirty="0" err="1"/>
+              <a:t>htmlwidgets</a:t>
+            </a:r>
+            <a:r>
+              <a:rPr lang="en-US" dirty="0"/>
+              <a:t> or Shiny components.</a:t>
+            </a:r>
+          </a:p>
+          <a:p>
+            <a:r>
+              <a:rPr lang="en-US" dirty="0"/>
+              <a:t>Create dashboards, websites, and more</a:t>
+            </a:r>
+          </a:p>
+          <a:p>
+            <a:r>
+              <a:rPr lang="en-US" dirty="0"/>
+              <a:t>Examples: </a:t>
+            </a:r>
+            <a:r>
+              <a:rPr lang="en-US" dirty="0">
+                <a:hlinkClick r:id="rId3"/>
+              </a:rPr>
+              <a:t>https://rmarkdown.rstudio.com/gallery.html</a:t>
+            </a:r>
+            <a:r>
+              <a:rPr lang="en-US" dirty="0"/>
+              <a:t> </a:t>
+            </a:r>
+          </a:p>
+        </p:txBody>
+      </p:sp>
     </p:spTree>
     <p:extLst>
       <p:ext uri="{BB962C8B-B14F-4D97-AF65-F5344CB8AC3E}">
-        <p14:creationId xmlns:p14="http://schemas.microsoft.com/office/powerpoint/2010/main" val="251682325"/>
+        <p14:creationId xmlns:p14="http://schemas.microsoft.com/office/powerpoint/2010/main" val="4224860261"/>
       </p:ext>
     </p:extLst>
   </p:cSld>
@@ -13945,6 +14316,256 @@
           <a:bodyPr/>
           <a:lstStyle/>
           <a:p>
+            <a:r>
+              <a:rPr lang="en-US" dirty="0"/>
+              <a:t>Let’s get started!</a:t>
+            </a:r>
+          </a:p>
+        </p:txBody>
+      </p:sp>
+      <p:sp>
+        <p:nvSpPr>
+          <p:cNvPr id="7" name="Content Placeholder 6">
+            <a:extLst>
+              <a:ext uri="{FF2B5EF4-FFF2-40B4-BE49-F238E27FC236}">
+                <a16:creationId xmlns:a16="http://schemas.microsoft.com/office/drawing/2014/main" id="{EAA96FED-E099-9194-668C-15D3F3C1F670}"/>
+              </a:ext>
+            </a:extLst>
+          </p:cNvPr>
+          <p:cNvSpPr>
+            <a:spLocks noGrp="1"/>
+          </p:cNvSpPr>
+          <p:nvPr>
+            <p:ph idx="1"/>
+          </p:nvPr>
+        </p:nvSpPr>
+        <p:spPr/>
+        <p:txBody>
+          <a:bodyPr/>
+          <a:lstStyle/>
+          <a:p>
+            <a:r>
+              <a:rPr lang="en-US" dirty="0"/>
+              <a:t>Once you’re looking at a fresh RStudio session, go to File </a:t>
+            </a:r>
+            <a:r>
+              <a:rPr lang="en-US" dirty="0">
+                <a:sym typeface="Wingdings" panose="05000000000000000000" pitchFamily="2" charset="2"/>
+              </a:rPr>
+              <a:t> New File  R Markdown</a:t>
+            </a:r>
+          </a:p>
+          <a:p>
+            <a:pPr lvl="1"/>
+            <a:r>
+              <a:rPr lang="en-US" dirty="0">
+                <a:sym typeface="Wingdings" panose="05000000000000000000" pitchFamily="2" charset="2"/>
+              </a:rPr>
+              <a:t>You may be prompted to install packages</a:t>
+            </a:r>
+            <a:endParaRPr lang="en-US" dirty="0"/>
+          </a:p>
+        </p:txBody>
+      </p:sp>
+    </p:spTree>
+    <p:extLst>
+      <p:ext uri="{BB962C8B-B14F-4D97-AF65-F5344CB8AC3E}">
+        <p14:creationId xmlns:p14="http://schemas.microsoft.com/office/powerpoint/2010/main" val="2957228376"/>
+      </p:ext>
+    </p:extLst>
+  </p:cSld>
+  <p:clrMapOvr>
+    <a:masterClrMapping/>
+  </p:clrMapOvr>
+</p:sld>
+</file>
+
+<file path=ppt/slides/slide8.xml><?xml version="1.0" encoding="utf-8"?>
+<p:sld xmlns:a="http://schemas.openxmlformats.org/drawingml/2006/main" xmlns:r="http://schemas.openxmlformats.org/officeDocument/2006/relationships" xmlns:p="http://schemas.openxmlformats.org/presentationml/2006/main" show="0">
+  <p:cSld>
+    <p:spTree>
+      <p:nvGrpSpPr>
+        <p:cNvPr id="1" name=""/>
+        <p:cNvGrpSpPr/>
+        <p:nvPr/>
+      </p:nvGrpSpPr>
+      <p:grpSpPr>
+        <a:xfrm>
+          <a:off x="0" y="0"/>
+          <a:ext cx="0" cy="0"/>
+          <a:chOff x="0" y="0"/>
+          <a:chExt cx="0" cy="0"/>
+        </a:xfrm>
+      </p:grpSpPr>
+      <p:sp>
+        <p:nvSpPr>
+          <p:cNvPr id="5" name="Footer Placeholder 4">
+            <a:extLst>
+              <a:ext uri="{FF2B5EF4-FFF2-40B4-BE49-F238E27FC236}">
+                <a16:creationId xmlns:a16="http://schemas.microsoft.com/office/drawing/2014/main" id="{F34107C3-7CF0-3C48-AF1E-FA76BAF67AEB}"/>
+              </a:ext>
+            </a:extLst>
+          </p:cNvPr>
+          <p:cNvSpPr>
+            <a:spLocks noGrp="1"/>
+          </p:cNvSpPr>
+          <p:nvPr>
+            <p:ph type="ftr" sz="quarter" idx="11"/>
+          </p:nvPr>
+        </p:nvSpPr>
+        <p:spPr>
+          <a:solidFill>
+            <a:srgbClr val="7030A0"/>
+          </a:solidFill>
+        </p:spPr>
+        <p:txBody>
+          <a:bodyPr/>
+          <a:lstStyle/>
+          <a:p>
+            <a:r>
+              <a:rPr lang="en-US" dirty="0"/>
+              <a:t>IFD&amp;TC24</a:t>
+            </a:r>
+          </a:p>
+        </p:txBody>
+      </p:sp>
+      <p:sp>
+        <p:nvSpPr>
+          <p:cNvPr id="6" name="Title 5">
+            <a:extLst>
+              <a:ext uri="{FF2B5EF4-FFF2-40B4-BE49-F238E27FC236}">
+                <a16:creationId xmlns:a16="http://schemas.microsoft.com/office/drawing/2014/main" id="{538C1E78-309C-EBAE-F379-074BDD715A97}"/>
+              </a:ext>
+            </a:extLst>
+          </p:cNvPr>
+          <p:cNvSpPr>
+            <a:spLocks noGrp="1"/>
+          </p:cNvSpPr>
+          <p:nvPr>
+            <p:ph type="title"/>
+          </p:nvPr>
+        </p:nvSpPr>
+        <p:spPr/>
+        <p:txBody>
+          <a:bodyPr/>
+          <a:lstStyle/>
+          <a:p>
+            <a:endParaRPr lang="en-US"/>
+          </a:p>
+        </p:txBody>
+      </p:sp>
+      <p:pic>
+        <p:nvPicPr>
+          <p:cNvPr id="9" name="Content Placeholder 8">
+            <a:extLst>
+              <a:ext uri="{FF2B5EF4-FFF2-40B4-BE49-F238E27FC236}">
+                <a16:creationId xmlns:a16="http://schemas.microsoft.com/office/drawing/2014/main" id="{D218508F-E6DB-1C09-BC06-2F7FD602898F}"/>
+              </a:ext>
+            </a:extLst>
+          </p:cNvPr>
+          <p:cNvPicPr>
+            <a:picLocks noGrp="1" noChangeAspect="1"/>
+          </p:cNvPicPr>
+          <p:nvPr>
+            <p:ph idx="1"/>
+          </p:nvPr>
+        </p:nvPicPr>
+        <p:blipFill>
+          <a:blip r:embed="rId2"/>
+          <a:stretch>
+            <a:fillRect/>
+          </a:stretch>
+        </p:blipFill>
+        <p:spPr>
+          <a:xfrm>
+            <a:off x="2062162" y="2331244"/>
+            <a:ext cx="4991100" cy="2505075"/>
+          </a:xfrm>
+        </p:spPr>
+      </p:pic>
+    </p:spTree>
+    <p:extLst>
+      <p:ext uri="{BB962C8B-B14F-4D97-AF65-F5344CB8AC3E}">
+        <p14:creationId xmlns:p14="http://schemas.microsoft.com/office/powerpoint/2010/main" val="251682325"/>
+      </p:ext>
+    </p:extLst>
+  </p:cSld>
+  <p:clrMapOvr>
+    <a:masterClrMapping/>
+  </p:clrMapOvr>
+</p:sld>
+</file>
+
+<file path=ppt/slides/slide9.xml><?xml version="1.0" encoding="utf-8"?>
+<p:sld xmlns:a="http://schemas.openxmlformats.org/drawingml/2006/main" xmlns:r="http://schemas.openxmlformats.org/officeDocument/2006/relationships" xmlns:p="http://schemas.openxmlformats.org/presentationml/2006/main" show="0">
+  <p:cSld>
+    <p:spTree>
+      <p:nvGrpSpPr>
+        <p:cNvPr id="1" name=""/>
+        <p:cNvGrpSpPr/>
+        <p:nvPr/>
+      </p:nvGrpSpPr>
+      <p:grpSpPr>
+        <a:xfrm>
+          <a:off x="0" y="0"/>
+          <a:ext cx="0" cy="0"/>
+          <a:chOff x="0" y="0"/>
+          <a:chExt cx="0" cy="0"/>
+        </a:xfrm>
+      </p:grpSpPr>
+      <p:sp>
+        <p:nvSpPr>
+          <p:cNvPr id="5" name="Footer Placeholder 4">
+            <a:extLst>
+              <a:ext uri="{FF2B5EF4-FFF2-40B4-BE49-F238E27FC236}">
+                <a16:creationId xmlns:a16="http://schemas.microsoft.com/office/drawing/2014/main" id="{F34107C3-7CF0-3C48-AF1E-FA76BAF67AEB}"/>
+              </a:ext>
+            </a:extLst>
+          </p:cNvPr>
+          <p:cNvSpPr>
+            <a:spLocks noGrp="1"/>
+          </p:cNvSpPr>
+          <p:nvPr>
+            <p:ph type="ftr" sz="quarter" idx="11"/>
+          </p:nvPr>
+        </p:nvSpPr>
+        <p:spPr>
+          <a:solidFill>
+            <a:srgbClr val="7030A0"/>
+          </a:solidFill>
+        </p:spPr>
+        <p:txBody>
+          <a:bodyPr/>
+          <a:lstStyle/>
+          <a:p>
+            <a:r>
+              <a:rPr lang="en-US" dirty="0"/>
+              <a:t>IFD&amp;TC24</a:t>
+            </a:r>
+          </a:p>
+        </p:txBody>
+      </p:sp>
+      <p:sp>
+        <p:nvSpPr>
+          <p:cNvPr id="6" name="Title 5">
+            <a:extLst>
+              <a:ext uri="{FF2B5EF4-FFF2-40B4-BE49-F238E27FC236}">
+                <a16:creationId xmlns:a16="http://schemas.microsoft.com/office/drawing/2014/main" id="{538C1E78-309C-EBAE-F379-074BDD715A97}"/>
+              </a:ext>
+            </a:extLst>
+          </p:cNvPr>
+          <p:cNvSpPr>
+            <a:spLocks noGrp="1"/>
+          </p:cNvSpPr>
+          <p:nvPr>
+            <p:ph type="title"/>
+          </p:nvPr>
+        </p:nvSpPr>
+        <p:spPr/>
+        <p:txBody>
+          <a:bodyPr/>
+          <a:lstStyle/>
+          <a:p>
             <a:endParaRPr lang="en-US"/>
           </a:p>
         </p:txBody>
@@ -14012,325 +14633,6 @@
     <p:extLst>
       <p:ext uri="{BB962C8B-B14F-4D97-AF65-F5344CB8AC3E}">
         <p14:creationId xmlns:p14="http://schemas.microsoft.com/office/powerpoint/2010/main" val="3310985086"/>
-      </p:ext>
-    </p:extLst>
-  </p:cSld>
-  <p:clrMapOvr>
-    <a:masterClrMapping/>
-  </p:clrMapOvr>
-</p:sld>
-</file>
-
-<file path=ppt/slides/slide8.xml><?xml version="1.0" encoding="utf-8"?>
-<p:sld xmlns:a="http://schemas.openxmlformats.org/drawingml/2006/main" xmlns:r="http://schemas.openxmlformats.org/officeDocument/2006/relationships" xmlns:p="http://schemas.openxmlformats.org/presentationml/2006/main">
-  <p:cSld>
-    <p:spTree>
-      <p:nvGrpSpPr>
-        <p:cNvPr id="1" name=""/>
-        <p:cNvGrpSpPr/>
-        <p:nvPr/>
-      </p:nvGrpSpPr>
-      <p:grpSpPr>
-        <a:xfrm>
-          <a:off x="0" y="0"/>
-          <a:ext cx="0" cy="0"/>
-          <a:chOff x="0" y="0"/>
-          <a:chExt cx="0" cy="0"/>
-        </a:xfrm>
-      </p:grpSpPr>
-      <p:sp>
-        <p:nvSpPr>
-          <p:cNvPr id="5" name="Footer Placeholder 4">
-            <a:extLst>
-              <a:ext uri="{FF2B5EF4-FFF2-40B4-BE49-F238E27FC236}">
-                <a16:creationId xmlns:a16="http://schemas.microsoft.com/office/drawing/2014/main" id="{F34107C3-7CF0-3C48-AF1E-FA76BAF67AEB}"/>
-              </a:ext>
-            </a:extLst>
-          </p:cNvPr>
-          <p:cNvSpPr>
-            <a:spLocks noGrp="1"/>
-          </p:cNvSpPr>
-          <p:nvPr>
-            <p:ph type="ftr" sz="quarter" idx="11"/>
-          </p:nvPr>
-        </p:nvSpPr>
-        <p:spPr>
-          <a:solidFill>
-            <a:srgbClr val="7030A0"/>
-          </a:solidFill>
-        </p:spPr>
-        <p:txBody>
-          <a:bodyPr/>
-          <a:lstStyle/>
-          <a:p>
-            <a:r>
-              <a:rPr lang="en-US" dirty="0"/>
-              <a:t>IFD&amp;TC24</a:t>
-            </a:r>
-          </a:p>
-        </p:txBody>
-      </p:sp>
-      <p:sp>
-        <p:nvSpPr>
-          <p:cNvPr id="6" name="Title 5">
-            <a:extLst>
-              <a:ext uri="{FF2B5EF4-FFF2-40B4-BE49-F238E27FC236}">
-                <a16:creationId xmlns:a16="http://schemas.microsoft.com/office/drawing/2014/main" id="{538C1E78-309C-EBAE-F379-074BDD715A97}"/>
-              </a:ext>
-            </a:extLst>
-          </p:cNvPr>
-          <p:cNvSpPr>
-            <a:spLocks noGrp="1"/>
-          </p:cNvSpPr>
-          <p:nvPr>
-            <p:ph type="title"/>
-          </p:nvPr>
-        </p:nvSpPr>
-        <p:spPr/>
-        <p:txBody>
-          <a:bodyPr/>
-          <a:lstStyle/>
-          <a:p>
-            <a:r>
-              <a:rPr lang="en-US" dirty="0"/>
-              <a:t>tidycensus</a:t>
-            </a:r>
-          </a:p>
-        </p:txBody>
-      </p:sp>
-      <p:sp>
-        <p:nvSpPr>
-          <p:cNvPr id="7" name="Content Placeholder 6">
-            <a:extLst>
-              <a:ext uri="{FF2B5EF4-FFF2-40B4-BE49-F238E27FC236}">
-                <a16:creationId xmlns:a16="http://schemas.microsoft.com/office/drawing/2014/main" id="{EAA96FED-E099-9194-668C-15D3F3C1F670}"/>
-              </a:ext>
-            </a:extLst>
-          </p:cNvPr>
-          <p:cNvSpPr>
-            <a:spLocks noGrp="1"/>
-          </p:cNvSpPr>
-          <p:nvPr>
-            <p:ph idx="1"/>
-          </p:nvPr>
-        </p:nvSpPr>
-        <p:spPr/>
-        <p:txBody>
-          <a:bodyPr/>
-          <a:lstStyle/>
-          <a:p>
-            <a:r>
-              <a:rPr lang="en-US" dirty="0"/>
-              <a:t>Accesses a few of the Census Bureau’s data APIs</a:t>
-            </a:r>
-          </a:p>
-          <a:p>
-            <a:pPr lvl="1"/>
-            <a:r>
-              <a:rPr lang="en-US" dirty="0"/>
-              <a:t>American Community Survey</a:t>
-            </a:r>
-          </a:p>
-          <a:p>
-            <a:pPr lvl="1"/>
-            <a:r>
-              <a:rPr lang="en-US" dirty="0"/>
-              <a:t>Decennial Census </a:t>
-            </a:r>
-          </a:p>
-          <a:p>
-            <a:r>
-              <a:rPr lang="en-US" dirty="0"/>
-              <a:t>Variables able to be used found using </a:t>
-            </a:r>
-            <a:r>
-              <a:rPr lang="en-US" dirty="0" err="1"/>
-              <a:t>load_variables</a:t>
-            </a:r>
-            <a:r>
-              <a:rPr lang="en-US" dirty="0"/>
-              <a:t>()</a:t>
-            </a:r>
-          </a:p>
-          <a:p>
-            <a:r>
-              <a:rPr lang="en-US" dirty="0"/>
-              <a:t>Geography available, useful for mapping</a:t>
-            </a:r>
-          </a:p>
-          <a:p>
-            <a:r>
-              <a:rPr lang="en-US" dirty="0"/>
-              <a:t>Request a Census API key: </a:t>
-            </a:r>
-            <a:r>
-              <a:rPr lang="en-US" dirty="0">
-                <a:hlinkClick r:id="rId3"/>
-              </a:rPr>
-              <a:t>https://api.census.gov/data/key_signup.html</a:t>
-            </a:r>
-            <a:r>
-              <a:rPr lang="en-US" dirty="0"/>
-              <a:t> </a:t>
-            </a:r>
-          </a:p>
-        </p:txBody>
-      </p:sp>
-    </p:spTree>
-    <p:extLst>
-      <p:ext uri="{BB962C8B-B14F-4D97-AF65-F5344CB8AC3E}">
-        <p14:creationId xmlns:p14="http://schemas.microsoft.com/office/powerpoint/2010/main" val="564733629"/>
-      </p:ext>
-    </p:extLst>
-  </p:cSld>
-  <p:clrMapOvr>
-    <a:masterClrMapping/>
-  </p:clrMapOvr>
-</p:sld>
-</file>
-
-<file path=ppt/slides/slide9.xml><?xml version="1.0" encoding="utf-8"?>
-<p:sld xmlns:a="http://schemas.openxmlformats.org/drawingml/2006/main" xmlns:r="http://schemas.openxmlformats.org/officeDocument/2006/relationships" xmlns:p="http://schemas.openxmlformats.org/presentationml/2006/main">
-  <p:cSld>
-    <p:spTree>
-      <p:nvGrpSpPr>
-        <p:cNvPr id="1" name=""/>
-        <p:cNvGrpSpPr/>
-        <p:nvPr/>
-      </p:nvGrpSpPr>
-      <p:grpSpPr>
-        <a:xfrm>
-          <a:off x="0" y="0"/>
-          <a:ext cx="0" cy="0"/>
-          <a:chOff x="0" y="0"/>
-          <a:chExt cx="0" cy="0"/>
-        </a:xfrm>
-      </p:grpSpPr>
-      <p:sp>
-        <p:nvSpPr>
-          <p:cNvPr id="5" name="Footer Placeholder 4">
-            <a:extLst>
-              <a:ext uri="{FF2B5EF4-FFF2-40B4-BE49-F238E27FC236}">
-                <a16:creationId xmlns:a16="http://schemas.microsoft.com/office/drawing/2014/main" id="{F34107C3-7CF0-3C48-AF1E-FA76BAF67AEB}"/>
-              </a:ext>
-            </a:extLst>
-          </p:cNvPr>
-          <p:cNvSpPr>
-            <a:spLocks noGrp="1"/>
-          </p:cNvSpPr>
-          <p:nvPr>
-            <p:ph type="ftr" sz="quarter" idx="11"/>
-          </p:nvPr>
-        </p:nvSpPr>
-        <p:spPr>
-          <a:solidFill>
-            <a:srgbClr val="7030A0"/>
-          </a:solidFill>
-        </p:spPr>
-        <p:txBody>
-          <a:bodyPr/>
-          <a:lstStyle/>
-          <a:p>
-            <a:r>
-              <a:rPr lang="en-US" dirty="0"/>
-              <a:t>IFD&amp;TC24</a:t>
-            </a:r>
-          </a:p>
-        </p:txBody>
-      </p:sp>
-      <p:sp>
-        <p:nvSpPr>
-          <p:cNvPr id="6" name="Title 5">
-            <a:extLst>
-              <a:ext uri="{FF2B5EF4-FFF2-40B4-BE49-F238E27FC236}">
-                <a16:creationId xmlns:a16="http://schemas.microsoft.com/office/drawing/2014/main" id="{538C1E78-309C-EBAE-F379-074BDD715A97}"/>
-              </a:ext>
-            </a:extLst>
-          </p:cNvPr>
-          <p:cNvSpPr>
-            <a:spLocks noGrp="1"/>
-          </p:cNvSpPr>
-          <p:nvPr>
-            <p:ph type="title"/>
-          </p:nvPr>
-        </p:nvSpPr>
-        <p:spPr/>
-        <p:txBody>
-          <a:bodyPr/>
-          <a:lstStyle/>
-          <a:p>
-            <a:r>
-              <a:rPr lang="en-US" dirty="0"/>
-              <a:t>A quick note about tidyverse</a:t>
-            </a:r>
-          </a:p>
-        </p:txBody>
-      </p:sp>
-      <p:sp>
-        <p:nvSpPr>
-          <p:cNvPr id="7" name="Content Placeholder 6">
-            <a:extLst>
-              <a:ext uri="{FF2B5EF4-FFF2-40B4-BE49-F238E27FC236}">
-                <a16:creationId xmlns:a16="http://schemas.microsoft.com/office/drawing/2014/main" id="{EAA96FED-E099-9194-668C-15D3F3C1F670}"/>
-              </a:ext>
-            </a:extLst>
-          </p:cNvPr>
-          <p:cNvSpPr>
-            <a:spLocks noGrp="1"/>
-          </p:cNvSpPr>
-          <p:nvPr>
-            <p:ph idx="1"/>
-          </p:nvPr>
-        </p:nvSpPr>
-        <p:spPr/>
-        <p:txBody>
-          <a:bodyPr/>
-          <a:lstStyle/>
-          <a:p>
-            <a:r>
-              <a:rPr lang="en-US" dirty="0"/>
-              <a:t>tidycensus uses tidyverse packages</a:t>
-            </a:r>
-          </a:p>
-          <a:p>
-            <a:endParaRPr lang="en-US" dirty="0"/>
-          </a:p>
-        </p:txBody>
-      </p:sp>
-      <p:pic>
-        <p:nvPicPr>
-          <p:cNvPr id="3" name="Picture 2">
-            <a:extLst>
-              <a:ext uri="{FF2B5EF4-FFF2-40B4-BE49-F238E27FC236}">
-                <a16:creationId xmlns:a16="http://schemas.microsoft.com/office/drawing/2014/main" id="{781B83ED-EE4A-DC20-C9B4-7E046075BB2F}"/>
-              </a:ext>
-            </a:extLst>
-          </p:cNvPr>
-          <p:cNvPicPr>
-            <a:picLocks noChangeAspect="1"/>
-          </p:cNvPicPr>
-          <p:nvPr/>
-        </p:nvPicPr>
-        <p:blipFill>
-          <a:blip r:embed="rId3"/>
-          <a:stretch>
-            <a:fillRect/>
-          </a:stretch>
-        </p:blipFill>
-        <p:spPr>
-          <a:xfrm>
-            <a:off x="599321" y="2032347"/>
-            <a:ext cx="7917925" cy="3606452"/>
-          </a:xfrm>
-          <a:prstGeom prst="rect">
-            <a:avLst/>
-          </a:prstGeom>
-        </p:spPr>
-      </p:pic>
-    </p:spTree>
-    <p:extLst>
-      <p:ext uri="{BB962C8B-B14F-4D97-AF65-F5344CB8AC3E}">
-        <p14:creationId xmlns:p14="http://schemas.microsoft.com/office/powerpoint/2010/main" val="1749081637"/>
       </p:ext>
     </p:extLst>
   </p:cSld>
@@ -17028,16 +17330,16 @@
 <file path=customXml/itemProps3.xml><?xml version="1.0" encoding="utf-8"?>
 <ds:datastoreItem xmlns:ds="http://schemas.openxmlformats.org/officeDocument/2006/customXml" ds:itemID="{9B9CB693-0DEF-4114-9482-174E83C8CC11}">
   <ds:schemaRefs>
-    <ds:schemaRef ds:uri="875bb054-f2b3-4b76-a793-0cfc50037577"/>
+    <ds:schemaRef ds:uri="http://purl.org/dc/terms/"/>
     <ds:schemaRef ds:uri="http://schemas.openxmlformats.org/package/2006/metadata/core-properties"/>
     <ds:schemaRef ds:uri="http://schemas.microsoft.com/office/2006/documentManagement/types"/>
-    <ds:schemaRef ds:uri="http://purl.org/dc/dcmitype/"/>
     <ds:schemaRef ds:uri="http://schemas.microsoft.com/office/infopath/2007/PartnerControls"/>
     <ds:schemaRef ds:uri="http://purl.org/dc/elements/1.1/"/>
-    <ds:schemaRef ds:uri="http://purl.org/dc/terms/"/>
     <ds:schemaRef ds:uri="http://schemas.microsoft.com/office/2006/metadata/properties"/>
+    <ds:schemaRef ds:uri="875bb054-f2b3-4b76-a793-0cfc50037577"/>
     <ds:schemaRef ds:uri="893535dc-a6ba-4ab3-bc6b-b8b74b13bb21"/>
     <ds:schemaRef ds:uri="http://www.w3.org/XML/1998/namespace"/>
+    <ds:schemaRef ds:uri="http://purl.org/dc/dcmitype/"/>
   </ds:schemaRefs>
 </ds:datastoreItem>
 </file>